--- a/presentation/presentation.pptx
+++ b/presentation/presentation.pptx
@@ -11,7 +11,7 @@
     <p:handoutMasterId r:id="rId14"/>
   </p:handoutMasterIdLst>
   <p:sldIdLst>
-    <p:sldId id="256" r:id="rId2"/>
+    <p:sldId id="267" r:id="rId2"/>
     <p:sldId id="257" r:id="rId3"/>
     <p:sldId id="258" r:id="rId4"/>
     <p:sldId id="259" r:id="rId5"/>
@@ -4123,7 +4123,7 @@
           <a:p>
             <a:fld id="{061C5132-FFA3-4B02-9F09-22FCF40EFA74}" type="datetimeFigureOut">
               <a:rPr lang="en-US" smtClean="0"/>
-              <a:t>4/19/2021</a:t>
+              <a:t>4/27/2021</a:t>
             </a:fld>
             <a:endParaRPr lang="en-US"/>
           </a:p>
@@ -4288,7 +4288,7 @@
           <a:p>
             <a:fld id="{0B6E42C9-243F-4DC5-AFF6-9D56B5FA9D63}" type="datetimeFigureOut">
               <a:rPr lang="en-US" smtClean="0"/>
-              <a:t>4/19/2021</a:t>
+              <a:t>4/27/2021</a:t>
             </a:fld>
             <a:endParaRPr lang="en-US"/>
           </a:p>
@@ -4555,90 +4555,6 @@
 </p:notesMaster>
 </file>
 
-<file path=ppt/notesSlides/notesSlide1.xml><?xml version="1.0" encoding="utf-8"?>
-<p:notes xmlns:a="http://schemas.openxmlformats.org/drawingml/2006/main" xmlns:r="http://schemas.openxmlformats.org/officeDocument/2006/relationships" xmlns:p="http://schemas.openxmlformats.org/presentationml/2006/main">
-  <p:cSld>
-    <p:spTree>
-      <p:nvGrpSpPr>
-        <p:cNvPr id="1" name=""/>
-        <p:cNvGrpSpPr/>
-        <p:nvPr/>
-      </p:nvGrpSpPr>
-      <p:grpSpPr>
-        <a:xfrm>
-          <a:off x="0" y="0"/>
-          <a:ext cx="0" cy="0"/>
-          <a:chOff x="0" y="0"/>
-          <a:chExt cx="0" cy="0"/>
-        </a:xfrm>
-      </p:grpSpPr>
-      <p:sp>
-        <p:nvSpPr>
-          <p:cNvPr id="2" name="Slide Image Placeholder 1"/>
-          <p:cNvSpPr>
-            <a:spLocks noGrp="1" noRot="1" noChangeAspect="1"/>
-          </p:cNvSpPr>
-          <p:nvPr>
-            <p:ph type="sldImg"/>
-          </p:nvPr>
-        </p:nvSpPr>
-        <p:spPr/>
-      </p:sp>
-      <p:sp>
-        <p:nvSpPr>
-          <p:cNvPr id="3" name="Notes Placeholder 2"/>
-          <p:cNvSpPr>
-            <a:spLocks noGrp="1"/>
-          </p:cNvSpPr>
-          <p:nvPr>
-            <p:ph type="body" idx="1"/>
-          </p:nvPr>
-        </p:nvSpPr>
-        <p:spPr/>
-        <p:txBody>
-          <a:bodyPr/>
-          <a:lstStyle/>
-          <a:p>
-            <a:endParaRPr lang="en-US"/>
-          </a:p>
-        </p:txBody>
-      </p:sp>
-      <p:sp>
-        <p:nvSpPr>
-          <p:cNvPr id="4" name="Slide Number Placeholder 3"/>
-          <p:cNvSpPr>
-            <a:spLocks noGrp="1"/>
-          </p:cNvSpPr>
-          <p:nvPr>
-            <p:ph type="sldNum" sz="quarter" idx="10"/>
-          </p:nvPr>
-        </p:nvSpPr>
-        <p:spPr/>
-        <p:txBody>
-          <a:bodyPr/>
-          <a:lstStyle/>
-          <a:p>
-            <a:fld id="{8DAEC444-603B-4F09-9A06-5917518DD901}" type="slidenum">
-              <a:rPr lang="en-US" smtClean="0"/>
-              <a:t>1</a:t>
-            </a:fld>
-            <a:endParaRPr lang="en-US"/>
-          </a:p>
-        </p:txBody>
-      </p:sp>
-    </p:spTree>
-    <p:extLst>
-      <p:ext uri="{BB962C8B-B14F-4D97-AF65-F5344CB8AC3E}">
-        <p14:creationId xmlns:p14="http://schemas.microsoft.com/office/powerpoint/2010/main" val="4039154547"/>
-      </p:ext>
-    </p:extLst>
-  </p:cSld>
-  <p:clrMapOvr>
-    <a:masterClrMapping/>
-  </p:clrMapOvr>
-</p:notes>
-</file>
-
 <file path=ppt/slideLayouts/slideLayout1.xml><?xml version="1.0" encoding="utf-8"?>
 <p:sldLayout xmlns:a="http://schemas.openxmlformats.org/drawingml/2006/main" xmlns:r="http://schemas.openxmlformats.org/officeDocument/2006/relationships" xmlns:p="http://schemas.openxmlformats.org/presentationml/2006/main" showMasterSp="0" type="title" preserve="1">
   <p:cSld name="Title Slide">
@@ -4976,7 +4892,7 @@
           <a:p>
             <a:fld id="{B0FE2824-C2A0-4931-BB32-60B24BDBB3CC}" type="datetimeFigureOut">
               <a:rPr lang="en-US" smtClean="0"/>
-              <a:t>4/19/2021</a:t>
+              <a:t>4/27/2021</a:t>
             </a:fld>
             <a:endParaRPr lang="en-US"/>
           </a:p>
@@ -5171,7 +5087,7 @@
           <a:p>
             <a:fld id="{B0FE2824-C2A0-4931-BB32-60B24BDBB3CC}" type="datetimeFigureOut">
               <a:rPr lang="en-US" smtClean="0"/>
-              <a:t>4/19/2021</a:t>
+              <a:t>4/27/2021</a:t>
             </a:fld>
             <a:endParaRPr lang="en-US"/>
           </a:p>
@@ -5351,7 +5267,7 @@
           <a:p>
             <a:fld id="{B0FE2824-C2A0-4931-BB32-60B24BDBB3CC}" type="datetimeFigureOut">
               <a:rPr lang="en-US" smtClean="0"/>
-              <a:t>4/19/2021</a:t>
+              <a:t>4/27/2021</a:t>
             </a:fld>
             <a:endParaRPr lang="en-US"/>
           </a:p>
@@ -5871,7 +5787,7 @@
           <a:p>
             <a:fld id="{B0FE2824-C2A0-4931-BB32-60B24BDBB3CC}" type="datetimeFigureOut">
               <a:rPr lang="en-US" smtClean="0"/>
-              <a:t>4/19/2021</a:t>
+              <a:t>4/27/2021</a:t>
             </a:fld>
             <a:endParaRPr lang="en-US"/>
           </a:p>
@@ -6313,7 +6229,7 @@
           <a:p>
             <a:fld id="{B0FE2824-C2A0-4931-BB32-60B24BDBB3CC}" type="datetimeFigureOut">
               <a:rPr lang="en-US" smtClean="0"/>
-              <a:t>4/19/2021</a:t>
+              <a:t>4/27/2021</a:t>
             </a:fld>
             <a:endParaRPr lang="en-US"/>
           </a:p>
@@ -6442,7 +6358,7 @@
           <a:p>
             <a:fld id="{B0FE2824-C2A0-4931-BB32-60B24BDBB3CC}" type="datetimeFigureOut">
               <a:rPr lang="en-US" smtClean="0"/>
-              <a:t>4/19/2021</a:t>
+              <a:t>4/27/2021</a:t>
             </a:fld>
             <a:endParaRPr lang="en-US"/>
           </a:p>
@@ -6549,7 +6465,7 @@
           <a:p>
             <a:fld id="{B0FE2824-C2A0-4931-BB32-60B24BDBB3CC}" type="datetimeFigureOut">
               <a:rPr lang="en-US" smtClean="0"/>
-              <a:t>4/19/2021</a:t>
+              <a:t>4/27/2021</a:t>
             </a:fld>
             <a:endParaRPr lang="en-US"/>
           </a:p>
@@ -6845,7 +6761,7 @@
           <a:p>
             <a:fld id="{B0FE2824-C2A0-4931-BB32-60B24BDBB3CC}" type="datetimeFigureOut">
               <a:rPr lang="en-US" smtClean="0"/>
-              <a:t>4/19/2021</a:t>
+              <a:t>4/27/2021</a:t>
             </a:fld>
             <a:endParaRPr lang="en-US"/>
           </a:p>
@@ -7118,7 +7034,7 @@
           <a:p>
             <a:fld id="{B0FE2824-C2A0-4931-BB32-60B24BDBB3CC}" type="datetimeFigureOut">
               <a:rPr lang="en-US" smtClean="0"/>
-              <a:t>4/19/2021</a:t>
+              <a:t>4/27/2021</a:t>
             </a:fld>
             <a:endParaRPr lang="en-US"/>
           </a:p>
@@ -7412,7 +7328,7 @@
             <a:fld id="{B0FE2824-C2A0-4931-BB32-60B24BDBB3CC}" type="datetimeFigureOut">
               <a:rPr lang="en-US" smtClean="0"/>
               <a:pPr/>
-              <a:t>4/19/2021</a:t>
+              <a:t>4/27/2021</a:t>
             </a:fld>
             <a:endParaRPr lang="en-US"/>
           </a:p>
@@ -7823,6 +7739,31 @@
 <file path=ppt/slides/slide1.xml><?xml version="1.0" encoding="utf-8"?>
 <p:sld xmlns:a="http://schemas.openxmlformats.org/drawingml/2006/main" xmlns:r="http://schemas.openxmlformats.org/officeDocument/2006/relationships" xmlns:p="http://schemas.openxmlformats.org/presentationml/2006/main">
   <p:cSld>
+    <p:bg>
+      <p:bgPr>
+        <a:blipFill dpi="0" rotWithShape="1">
+          <a:blip r:embed="rId2">
+            <a:lum/>
+            <a:extLst>
+              <a:ext uri="{BEBA8EAE-BF5A-486C-A8C5-ECC9F3942E4B}">
+                <a14:imgProps xmlns:a14="http://schemas.microsoft.com/office/drawing/2010/main">
+                  <a14:imgLayer r:embed="rId3">
+                    <a14:imgEffect>
+                      <a14:saturation sat="0"/>
+                    </a14:imgEffect>
+                  </a14:imgLayer>
+                </a14:imgProps>
+              </a:ext>
+            </a:extLst>
+          </a:blip>
+          <a:srcRect/>
+          <a:stretch>
+            <a:fillRect/>
+          </a:stretch>
+        </a:blipFill>
+        <a:effectLst/>
+      </p:bgPr>
+    </p:bg>
     <p:spTree>
       <p:nvGrpSpPr>
         <p:cNvPr id="1" name=""/>
@@ -7839,12 +7780,18 @@
       </p:grpSpPr>
       <p:sp>
         <p:nvSpPr>
-          <p:cNvPr id="2" name="Title 1"/>
+          <p:cNvPr id="2" name="Title 1">
+            <a:extLst>
+              <a:ext uri="{FF2B5EF4-FFF2-40B4-BE49-F238E27FC236}">
+                <a16:creationId xmlns:a16="http://schemas.microsoft.com/office/drawing/2014/main" id="{FDF4161C-E35D-4646-A184-584A0BD9EB7F}"/>
+              </a:ext>
+            </a:extLst>
+          </p:cNvPr>
           <p:cNvSpPr>
             <a:spLocks noGrp="1"/>
           </p:cNvSpPr>
           <p:nvPr>
-            <p:ph type="ctrTitle"/>
+            <p:ph type="title"/>
           </p:nvPr>
         </p:nvSpPr>
         <p:spPr/>
@@ -7861,12 +7808,18 @@
       </p:sp>
       <p:sp>
         <p:nvSpPr>
-          <p:cNvPr id="3" name="Subtitle 2"/>
+          <p:cNvPr id="3" name="Text Placeholder 2">
+            <a:extLst>
+              <a:ext uri="{FF2B5EF4-FFF2-40B4-BE49-F238E27FC236}">
+                <a16:creationId xmlns:a16="http://schemas.microsoft.com/office/drawing/2014/main" id="{9FEA8277-5765-4EF0-B59F-B07497B59117}"/>
+              </a:ext>
+            </a:extLst>
+          </p:cNvPr>
           <p:cNvSpPr>
             <a:spLocks noGrp="1"/>
           </p:cNvSpPr>
           <p:nvPr>
-            <p:ph type="subTitle" idx="1"/>
+            <p:ph type="body" idx="1"/>
           </p:nvPr>
         </p:nvSpPr>
         <p:spPr/>
@@ -7884,7 +7837,7 @@
     </p:spTree>
     <p:extLst>
       <p:ext uri="{BB962C8B-B14F-4D97-AF65-F5344CB8AC3E}">
-        <p14:creationId xmlns:p14="http://schemas.microsoft.com/office/powerpoint/2010/main" val="2142729111"/>
+        <p14:creationId xmlns:p14="http://schemas.microsoft.com/office/powerpoint/2010/main" val="1764883959"/>
       </p:ext>
     </p:extLst>
   </p:cSld>
@@ -8379,7 +8332,7 @@
           </p:nvPr>
         </p:nvGraphicFramePr>
         <p:xfrm>
-          <a:off x="6324600" y="1825623"/>
+          <a:off x="6324600" y="1825625"/>
           <a:ext cx="5029200" cy="2289176"/>
         </p:xfrm>
         <a:graphic>
@@ -8762,6 +8715,31 @@
 <file path=ppt/slides/slide6.xml><?xml version="1.0" encoding="utf-8"?>
 <p:sld xmlns:a="http://schemas.openxmlformats.org/drawingml/2006/main" xmlns:r="http://schemas.openxmlformats.org/officeDocument/2006/relationships" xmlns:p="http://schemas.openxmlformats.org/presentationml/2006/main">
   <p:cSld>
+    <p:bg>
+      <p:bgPr>
+        <a:blipFill dpi="0" rotWithShape="1">
+          <a:blip r:embed="rId2">
+            <a:lum/>
+            <a:extLst>
+              <a:ext uri="{BEBA8EAE-BF5A-486C-A8C5-ECC9F3942E4B}">
+                <a14:imgProps xmlns:a14="http://schemas.microsoft.com/office/drawing/2010/main">
+                  <a14:imgLayer r:embed="rId3">
+                    <a14:imgEffect>
+                      <a14:saturation sat="0"/>
+                    </a14:imgEffect>
+                  </a14:imgLayer>
+                </a14:imgProps>
+              </a:ext>
+            </a:extLst>
+          </a:blip>
+          <a:srcRect/>
+          <a:stretch>
+            <a:fillRect/>
+          </a:stretch>
+        </a:blipFill>
+        <a:effectLst/>
+      </p:bgPr>
+    </p:bg>
     <p:spTree>
       <p:nvGrpSpPr>
         <p:cNvPr id="1" name=""/>
@@ -9091,9 +9069,9 @@
 <file path=ppt/theme/theme1.xml><?xml version="1.0" encoding="utf-8"?>
 <a:theme xmlns:a="http://schemas.openxmlformats.org/drawingml/2006/main" name="CITY SKETCH 16X9">
   <a:themeElements>
-    <a:clrScheme name="CitySketch">
+    <a:clrScheme name="Grayscale">
       <a:dk1>
-        <a:srgbClr val="3D372E"/>
+        <a:sysClr val="windowText" lastClr="000000"/>
       </a:dk1>
       <a:lt1>
         <a:sysClr val="window" lastClr="FFFFFF"/>
@@ -9102,31 +9080,31 @@
         <a:srgbClr val="000000"/>
       </a:dk2>
       <a:lt2>
-        <a:srgbClr val="E0ECE1"/>
+        <a:srgbClr val="F8F8F8"/>
       </a:lt2>
       <a:accent1>
-        <a:srgbClr val="B2D0B4"/>
+        <a:srgbClr val="DDDDDD"/>
       </a:accent1>
       <a:accent2>
-        <a:srgbClr val="88A5BA"/>
+        <a:srgbClr val="B2B2B2"/>
       </a:accent2>
       <a:accent3>
-        <a:srgbClr val="909F5F"/>
+        <a:srgbClr val="969696"/>
       </a:accent3>
       <a:accent4>
-        <a:srgbClr val="C9A057"/>
+        <a:srgbClr val="808080"/>
       </a:accent4>
       <a:accent5>
-        <a:srgbClr val="DA7D60"/>
+        <a:srgbClr val="5F5F5F"/>
       </a:accent5>
       <a:accent6>
-        <a:srgbClr val="978975"/>
+        <a:srgbClr val="4D4D4D"/>
       </a:accent6>
       <a:hlink>
-        <a:srgbClr val="C9A057"/>
+        <a:srgbClr val="5F5F5F"/>
       </a:hlink>
       <a:folHlink>
-        <a:srgbClr val="978975"/>
+        <a:srgbClr val="919191"/>
       </a:folHlink>
     </a:clrScheme>
     <a:fontScheme name="Century Schoolbook">
